--- a/database/slides/PENITENTIAL_ACT_(THE_CONFITEOR).pptx
+++ b/database/slides/PENITENTIAL_ACT_(THE_CONFITEOR).pptx
@@ -15499,7 +15499,27 @@
                 <a:effectLst/>
                 <a:latin typeface="Calibri" panose="020F0502020204030204" pitchFamily="34" charset="0"/>
               </a:rPr>
-              <a:t>I Confess to almighty God and you, my brothers and sisters, that I have greatly sinned, in my thoughts and in my words, in what I have done and in what I have failed to do, through my fault, through my fault; through my most grievous fault, therefore I ask blessed Mary ever-Virgin, all the Angels and Saints, and you my brothers and sisters, to pray for me to the Lord our God.</a:t>
+              <a:t>I Confess to almighty God </a:t>
+            </a:r>
+            <a:r>
+              <a:rPr lang="en-US" sz="4000" b="1" i="0" u="none" strike="noStrike">
+                <a:solidFill>
+                  <a:schemeClr val="bg1"/>
+                </a:solidFill>
+                <a:effectLst/>
+                <a:latin typeface="Calibri" panose="020F0502020204030204" pitchFamily="34" charset="0"/>
+              </a:rPr>
+              <a:t>and to you</a:t>
+            </a:r>
+            <a:r>
+              <a:rPr lang="en-US" sz="4000" b="1" i="0" u="none" strike="noStrike" dirty="0">
+                <a:solidFill>
+                  <a:schemeClr val="bg1"/>
+                </a:solidFill>
+                <a:effectLst/>
+                <a:latin typeface="Calibri" panose="020F0502020204030204" pitchFamily="34" charset="0"/>
+              </a:rPr>
+              <a:t>, my brothers and sisters, that I have greatly sinned, in my thoughts and in my words, in what I have done and in what I have failed to do, through my fault, through my fault; through my most grievous fault, therefore I ask blessed Mary ever-Virgin, all the Angels and Saints, and you my brothers and sisters, to pray for me to the Lord our God.</a:t>
             </a:r>
             <a:endParaRPr lang="en-US" sz="4000" b="1" i="1" dirty="0">
               <a:solidFill>
